--- a/hyperparameter-tuning.pptx
+++ b/hyperparameter-tuning.pptx
@@ -5,7 +5,7 @@
     <p:sldMasterId id="2147483660" r:id="rId1"/>
   </p:sldMasterIdLst>
   <p:notesMasterIdLst>
-    <p:notesMasterId r:id="rId8"/>
+    <p:notesMasterId r:id="rId9"/>
   </p:notesMasterIdLst>
   <p:sldIdLst>
     <p:sldId id="256" r:id="rId2"/>
@@ -14,6 +14,7 @@
     <p:sldId id="258" r:id="rId5"/>
     <p:sldId id="260" r:id="rId6"/>
     <p:sldId id="261" r:id="rId7"/>
+    <p:sldId id="262" r:id="rId8"/>
   </p:sldIdLst>
   <p:sldSz cx="12192000" cy="6858000"/>
   <p:notesSz cx="7023100" cy="9309100"/>
@@ -202,7 +203,7 @@
           <a:p>
             <a:fld id="{AEE62621-AE42-C849-886C-BC0323818BF8}" type="datetimeFigureOut">
               <a:rPr lang="en-US" smtClean="0"/>
-              <a:t>1/29/20</a:t>
+              <a:t>1/30/20</a:t>
             </a:fld>
             <a:endParaRPr lang="en-US"/>
           </a:p>
@@ -4397,15 +4398,31 @@
             <a:br>
               <a:rPr lang="en-US" dirty="0"/>
             </a:br>
+            <a:r>
+              <a:rPr lang="en-US" dirty="0"/>
+              <a:t/>
+            </a:r>
             <a:br>
               <a:rPr lang="en-US" dirty="0"/>
             </a:br>
+            <a:r>
+              <a:rPr lang="en-US" dirty="0"/>
+              <a:t/>
+            </a:r>
             <a:br>
               <a:rPr lang="en-US" dirty="0"/>
             </a:br>
+            <a:r>
+              <a:rPr lang="en-US" dirty="0"/>
+              <a:t/>
+            </a:r>
             <a:br>
               <a:rPr lang="en-US" dirty="0"/>
             </a:br>
+            <a:r>
+              <a:rPr lang="en-US" dirty="0"/>
+              <a:t/>
+            </a:r>
             <a:br>
               <a:rPr lang="en-US" dirty="0"/>
             </a:br>
@@ -6089,7 +6106,7 @@
           <p:cNvPr id="2" name="Title 1">
             <a:extLst>
               <a:ext uri="{FF2B5EF4-FFF2-40B4-BE49-F238E27FC236}">
-                <a16:creationId xmlns:a16="http://schemas.microsoft.com/office/drawing/2014/main" id="{7E2CD61A-895E-2A47-A195-7B60C66C7649}"/>
+                <a16:creationId xmlns:a16="http://schemas.microsoft.com/office/drawing/2014/main" xmlns="" id="{7E2CD61A-895E-2A47-A195-7B60C66C7649}"/>
               </a:ext>
             </a:extLst>
           </p:cNvPr>
@@ -6117,7 +6134,7 @@
           <p:cNvPr id="3" name="Subtitle 2">
             <a:extLst>
               <a:ext uri="{FF2B5EF4-FFF2-40B4-BE49-F238E27FC236}">
-                <a16:creationId xmlns:a16="http://schemas.microsoft.com/office/drawing/2014/main" id="{F6AC49C9-05B0-8541-99C3-00F660AE257C}"/>
+                <a16:creationId xmlns:a16="http://schemas.microsoft.com/office/drawing/2014/main" xmlns="" id="{F6AC49C9-05B0-8541-99C3-00F660AE257C}"/>
               </a:ext>
             </a:extLst>
           </p:cNvPr>
@@ -6175,7 +6192,7 @@
           <p:cNvPr id="2" name="Slide Number Placeholder 1">
             <a:extLst>
               <a:ext uri="{FF2B5EF4-FFF2-40B4-BE49-F238E27FC236}">
-                <a16:creationId xmlns:a16="http://schemas.microsoft.com/office/drawing/2014/main" id="{3B230222-CF94-934B-B62A-005018B9FFA7}"/>
+                <a16:creationId xmlns:a16="http://schemas.microsoft.com/office/drawing/2014/main" xmlns="" id="{3B230222-CF94-934B-B62A-005018B9FFA7}"/>
               </a:ext>
             </a:extLst>
           </p:cNvPr>
@@ -6213,7 +6230,7 @@
           <p:cNvPr id="3" name="Title 2">
             <a:extLst>
               <a:ext uri="{FF2B5EF4-FFF2-40B4-BE49-F238E27FC236}">
-                <a16:creationId xmlns:a16="http://schemas.microsoft.com/office/drawing/2014/main" id="{CDFF4DC1-D256-D340-B97A-4704D1894D23}"/>
+                <a16:creationId xmlns:a16="http://schemas.microsoft.com/office/drawing/2014/main" xmlns="" id="{CDFF4DC1-D256-D340-B97A-4704D1894D23}"/>
               </a:ext>
             </a:extLst>
           </p:cNvPr>
@@ -6246,7 +6263,7 @@
           <p:cNvPr id="4" name="Text Placeholder 3">
             <a:extLst>
               <a:ext uri="{FF2B5EF4-FFF2-40B4-BE49-F238E27FC236}">
-                <a16:creationId xmlns:a16="http://schemas.microsoft.com/office/drawing/2014/main" id="{6B429E01-400A-5D4A-8901-8B86D214E7C3}"/>
+                <a16:creationId xmlns:a16="http://schemas.microsoft.com/office/drawing/2014/main" xmlns="" id="{6B429E01-400A-5D4A-8901-8B86D214E7C3}"/>
               </a:ext>
             </a:extLst>
           </p:cNvPr>
@@ -6276,7 +6293,7 @@
           <p:cNvPr id="5" name="Content Placeholder 4">
             <a:extLst>
               <a:ext uri="{FF2B5EF4-FFF2-40B4-BE49-F238E27FC236}">
-                <a16:creationId xmlns:a16="http://schemas.microsoft.com/office/drawing/2014/main" id="{CD65D544-1720-084A-925A-2E637E05BF19}"/>
+                <a16:creationId xmlns:a16="http://schemas.microsoft.com/office/drawing/2014/main" xmlns="" id="{CD65D544-1720-084A-925A-2E637E05BF19}"/>
               </a:ext>
             </a:extLst>
           </p:cNvPr>
@@ -6437,7 +6454,7 @@
           <p:cNvPr id="2" name="Slide Number Placeholder 1">
             <a:extLst>
               <a:ext uri="{FF2B5EF4-FFF2-40B4-BE49-F238E27FC236}">
-                <a16:creationId xmlns:a16="http://schemas.microsoft.com/office/drawing/2014/main" id="{EED15726-B302-D34A-A235-A34B2AFEE0ED}"/>
+                <a16:creationId xmlns:a16="http://schemas.microsoft.com/office/drawing/2014/main" xmlns="" id="{EED15726-B302-D34A-A235-A34B2AFEE0ED}"/>
               </a:ext>
             </a:extLst>
           </p:cNvPr>
@@ -6475,7 +6492,7 @@
           <p:cNvPr id="3" name="Title 2">
             <a:extLst>
               <a:ext uri="{FF2B5EF4-FFF2-40B4-BE49-F238E27FC236}">
-                <a16:creationId xmlns:a16="http://schemas.microsoft.com/office/drawing/2014/main" id="{A4EB8D1F-8F80-5347-8554-3938A8C01394}"/>
+                <a16:creationId xmlns:a16="http://schemas.microsoft.com/office/drawing/2014/main" xmlns="" id="{A4EB8D1F-8F80-5347-8554-3938A8C01394}"/>
               </a:ext>
             </a:extLst>
           </p:cNvPr>
@@ -6503,7 +6520,7 @@
           <p:cNvPr id="4" name="Text Placeholder 3">
             <a:extLst>
               <a:ext uri="{FF2B5EF4-FFF2-40B4-BE49-F238E27FC236}">
-                <a16:creationId xmlns:a16="http://schemas.microsoft.com/office/drawing/2014/main" id="{E529FD3F-38C8-A047-936B-B9B26FCE63E4}"/>
+                <a16:creationId xmlns:a16="http://schemas.microsoft.com/office/drawing/2014/main" xmlns="" id="{E529FD3F-38C8-A047-936B-B9B26FCE63E4}"/>
               </a:ext>
             </a:extLst>
           </p:cNvPr>
@@ -6537,7 +6554,7 @@
           <p:cNvPr id="6" name="Picture 5">
             <a:extLst>
               <a:ext uri="{FF2B5EF4-FFF2-40B4-BE49-F238E27FC236}">
-                <a16:creationId xmlns:a16="http://schemas.microsoft.com/office/drawing/2014/main" id="{0F8D6A82-D860-774F-8E37-4E8F029A51C1}"/>
+                <a16:creationId xmlns:a16="http://schemas.microsoft.com/office/drawing/2014/main" xmlns="" id="{0F8D6A82-D860-774F-8E37-4E8F029A51C1}"/>
               </a:ext>
             </a:extLst>
           </p:cNvPr>
@@ -6597,7 +6614,7 @@
           <p:cNvPr id="2" name="Slide Number Placeholder 1">
             <a:extLst>
               <a:ext uri="{FF2B5EF4-FFF2-40B4-BE49-F238E27FC236}">
-                <a16:creationId xmlns:a16="http://schemas.microsoft.com/office/drawing/2014/main" id="{A2A802D6-BDEC-194E-944D-B8F26748CDA5}"/>
+                <a16:creationId xmlns:a16="http://schemas.microsoft.com/office/drawing/2014/main" xmlns="" id="{A2A802D6-BDEC-194E-944D-B8F26748CDA5}"/>
               </a:ext>
             </a:extLst>
           </p:cNvPr>
@@ -6635,7 +6652,7 @@
           <p:cNvPr id="5" name="Title 4">
             <a:extLst>
               <a:ext uri="{FF2B5EF4-FFF2-40B4-BE49-F238E27FC236}">
-                <a16:creationId xmlns:a16="http://schemas.microsoft.com/office/drawing/2014/main" id="{85160E46-B5D9-B343-B0D4-D25C82F06847}"/>
+                <a16:creationId xmlns:a16="http://schemas.microsoft.com/office/drawing/2014/main" xmlns="" id="{85160E46-B5D9-B343-B0D4-D25C82F06847}"/>
               </a:ext>
             </a:extLst>
           </p:cNvPr>
@@ -6668,7 +6685,7 @@
           <p:cNvPr id="7" name="Text Placeholder 6">
             <a:extLst>
               <a:ext uri="{FF2B5EF4-FFF2-40B4-BE49-F238E27FC236}">
-                <a16:creationId xmlns:a16="http://schemas.microsoft.com/office/drawing/2014/main" id="{DC9AAE9A-C1FB-E34D-96CA-26833806DE95}"/>
+                <a16:creationId xmlns:a16="http://schemas.microsoft.com/office/drawing/2014/main" xmlns="" id="{DC9AAE9A-C1FB-E34D-96CA-26833806DE95}"/>
               </a:ext>
             </a:extLst>
           </p:cNvPr>
@@ -6709,7 +6726,7 @@
           <p:cNvPr id="8" name="Rectangle 7">
             <a:extLst>
               <a:ext uri="{FF2B5EF4-FFF2-40B4-BE49-F238E27FC236}">
-                <a16:creationId xmlns:a16="http://schemas.microsoft.com/office/drawing/2014/main" id="{ECB2055D-6898-CE4C-B928-17E2394629E6}"/>
+                <a16:creationId xmlns:a16="http://schemas.microsoft.com/office/drawing/2014/main" xmlns="" id="{ECB2055D-6898-CE4C-B928-17E2394629E6}"/>
               </a:ext>
             </a:extLst>
           </p:cNvPr>
@@ -7075,7 +7092,7 @@
           <p:cNvPr id="9" name="Picture 8">
             <a:extLst>
               <a:ext uri="{FF2B5EF4-FFF2-40B4-BE49-F238E27FC236}">
-                <a16:creationId xmlns:a16="http://schemas.microsoft.com/office/drawing/2014/main" id="{B5F5AEFD-9203-4945-9F3D-1BEFB6D90159}"/>
+                <a16:creationId xmlns:a16="http://schemas.microsoft.com/office/drawing/2014/main" xmlns="" id="{B5F5AEFD-9203-4945-9F3D-1BEFB6D90159}"/>
               </a:ext>
             </a:extLst>
           </p:cNvPr>
@@ -7105,7 +7122,7 @@
           <p:cNvPr id="10" name="TextBox 9">
             <a:extLst>
               <a:ext uri="{FF2B5EF4-FFF2-40B4-BE49-F238E27FC236}">
-                <a16:creationId xmlns:a16="http://schemas.microsoft.com/office/drawing/2014/main" id="{E92935FD-F247-4F46-B7CA-504877D24B08}"/>
+                <a16:creationId xmlns:a16="http://schemas.microsoft.com/office/drawing/2014/main" xmlns="" id="{E92935FD-F247-4F46-B7CA-504877D24B08}"/>
               </a:ext>
             </a:extLst>
           </p:cNvPr>
@@ -7155,7 +7172,7 @@
           <p:cNvPr id="11" name="Rectangle 10">
             <a:extLst>
               <a:ext uri="{FF2B5EF4-FFF2-40B4-BE49-F238E27FC236}">
-                <a16:creationId xmlns:a16="http://schemas.microsoft.com/office/drawing/2014/main" id="{4C13C944-32DB-AE41-B9EC-C1C1204D1807}"/>
+                <a16:creationId xmlns:a16="http://schemas.microsoft.com/office/drawing/2014/main" xmlns="" id="{4C13C944-32DB-AE41-B9EC-C1C1204D1807}"/>
               </a:ext>
             </a:extLst>
           </p:cNvPr>
@@ -7213,7 +7230,7 @@
           <p:cNvPr id="13" name="Rectangle 12">
             <a:extLst>
               <a:ext uri="{FF2B5EF4-FFF2-40B4-BE49-F238E27FC236}">
-                <a16:creationId xmlns:a16="http://schemas.microsoft.com/office/drawing/2014/main" id="{34071BFB-BD90-8A48-9B3A-353B7CD90226}"/>
+                <a16:creationId xmlns:a16="http://schemas.microsoft.com/office/drawing/2014/main" xmlns="" id="{34071BFB-BD90-8A48-9B3A-353B7CD90226}"/>
               </a:ext>
             </a:extLst>
           </p:cNvPr>
@@ -7271,7 +7288,7 @@
           <p:cNvPr id="14" name="Rectangle 13">
             <a:extLst>
               <a:ext uri="{FF2B5EF4-FFF2-40B4-BE49-F238E27FC236}">
-                <a16:creationId xmlns:a16="http://schemas.microsoft.com/office/drawing/2014/main" id="{D60B1EED-CF8B-9741-B231-31C83E1980B7}"/>
+                <a16:creationId xmlns:a16="http://schemas.microsoft.com/office/drawing/2014/main" xmlns="" id="{D60B1EED-CF8B-9741-B231-31C83E1980B7}"/>
               </a:ext>
             </a:extLst>
           </p:cNvPr>
@@ -7329,7 +7346,7 @@
           <p:cNvPr id="15" name="Rectangle 14">
             <a:extLst>
               <a:ext uri="{FF2B5EF4-FFF2-40B4-BE49-F238E27FC236}">
-                <a16:creationId xmlns:a16="http://schemas.microsoft.com/office/drawing/2014/main" id="{0277B4CF-2087-4646-910D-056B79B4BB70}"/>
+                <a16:creationId xmlns:a16="http://schemas.microsoft.com/office/drawing/2014/main" xmlns="" id="{0277B4CF-2087-4646-910D-056B79B4BB70}"/>
               </a:ext>
             </a:extLst>
           </p:cNvPr>
@@ -7387,7 +7404,7 @@
           <p:cNvPr id="16" name="Rectangle 15">
             <a:extLst>
               <a:ext uri="{FF2B5EF4-FFF2-40B4-BE49-F238E27FC236}">
-                <a16:creationId xmlns:a16="http://schemas.microsoft.com/office/drawing/2014/main" id="{6C33DC46-8435-B84C-995E-45A2C8CA2BC9}"/>
+                <a16:creationId xmlns:a16="http://schemas.microsoft.com/office/drawing/2014/main" xmlns="" id="{6C33DC46-8435-B84C-995E-45A2C8CA2BC9}"/>
               </a:ext>
             </a:extLst>
           </p:cNvPr>
@@ -7445,7 +7462,7 @@
           <p:cNvPr id="17" name="TextBox 16">
             <a:extLst>
               <a:ext uri="{FF2B5EF4-FFF2-40B4-BE49-F238E27FC236}">
-                <a16:creationId xmlns:a16="http://schemas.microsoft.com/office/drawing/2014/main" id="{D8CE5152-BCF1-A241-AA1C-13C9BACA30A2}"/>
+                <a16:creationId xmlns:a16="http://schemas.microsoft.com/office/drawing/2014/main" xmlns="" id="{D8CE5152-BCF1-A241-AA1C-13C9BACA30A2}"/>
               </a:ext>
             </a:extLst>
           </p:cNvPr>
@@ -7477,7 +7494,7 @@
           <p:cNvPr id="18" name="Rectangle 17">
             <a:extLst>
               <a:ext uri="{FF2B5EF4-FFF2-40B4-BE49-F238E27FC236}">
-                <a16:creationId xmlns:a16="http://schemas.microsoft.com/office/drawing/2014/main" id="{56555134-DC28-0544-A70E-FCDB8C9DA6DB}"/>
+                <a16:creationId xmlns:a16="http://schemas.microsoft.com/office/drawing/2014/main" xmlns="" id="{56555134-DC28-0544-A70E-FCDB8C9DA6DB}"/>
               </a:ext>
             </a:extLst>
           </p:cNvPr>
@@ -7535,7 +7552,7 @@
           <p:cNvPr id="19" name="Rectangle 18">
             <a:extLst>
               <a:ext uri="{FF2B5EF4-FFF2-40B4-BE49-F238E27FC236}">
-                <a16:creationId xmlns:a16="http://schemas.microsoft.com/office/drawing/2014/main" id="{A6F5CAA6-46DA-4248-AB1E-2F8011AB6814}"/>
+                <a16:creationId xmlns:a16="http://schemas.microsoft.com/office/drawing/2014/main" xmlns="" id="{A6F5CAA6-46DA-4248-AB1E-2F8011AB6814}"/>
               </a:ext>
             </a:extLst>
           </p:cNvPr>
@@ -7593,7 +7610,7 @@
           <p:cNvPr id="20" name="Rectangle 19">
             <a:extLst>
               <a:ext uri="{FF2B5EF4-FFF2-40B4-BE49-F238E27FC236}">
-                <a16:creationId xmlns:a16="http://schemas.microsoft.com/office/drawing/2014/main" id="{C96D54EE-135A-024E-BBA5-E1881946ABC5}"/>
+                <a16:creationId xmlns:a16="http://schemas.microsoft.com/office/drawing/2014/main" xmlns="" id="{C96D54EE-135A-024E-BBA5-E1881946ABC5}"/>
               </a:ext>
             </a:extLst>
           </p:cNvPr>
@@ -7651,7 +7668,7 @@
           <p:cNvPr id="21" name="Rectangle 20">
             <a:extLst>
               <a:ext uri="{FF2B5EF4-FFF2-40B4-BE49-F238E27FC236}">
-                <a16:creationId xmlns:a16="http://schemas.microsoft.com/office/drawing/2014/main" id="{90B74F61-469E-8E47-BA96-5B8C9CAB2413}"/>
+                <a16:creationId xmlns:a16="http://schemas.microsoft.com/office/drawing/2014/main" xmlns="" id="{90B74F61-469E-8E47-BA96-5B8C9CAB2413}"/>
               </a:ext>
             </a:extLst>
           </p:cNvPr>
@@ -7709,7 +7726,7 @@
           <p:cNvPr id="22" name="Rectangle 21">
             <a:extLst>
               <a:ext uri="{FF2B5EF4-FFF2-40B4-BE49-F238E27FC236}">
-                <a16:creationId xmlns:a16="http://schemas.microsoft.com/office/drawing/2014/main" id="{51159B95-82AE-2B4B-9443-9552786629F1}"/>
+                <a16:creationId xmlns:a16="http://schemas.microsoft.com/office/drawing/2014/main" xmlns="" id="{51159B95-82AE-2B4B-9443-9552786629F1}"/>
               </a:ext>
             </a:extLst>
           </p:cNvPr>
@@ -7767,7 +7784,7 @@
           <p:cNvPr id="23" name="Rectangle 22">
             <a:extLst>
               <a:ext uri="{FF2B5EF4-FFF2-40B4-BE49-F238E27FC236}">
-                <a16:creationId xmlns:a16="http://schemas.microsoft.com/office/drawing/2014/main" id="{A2DD7A9C-FD4A-8F42-953C-58E00C99CAB1}"/>
+                <a16:creationId xmlns:a16="http://schemas.microsoft.com/office/drawing/2014/main" xmlns="" id="{A2DD7A9C-FD4A-8F42-953C-58E00C99CAB1}"/>
               </a:ext>
             </a:extLst>
           </p:cNvPr>
@@ -7825,7 +7842,7 @@
           <p:cNvPr id="24" name="Rectangle 23">
             <a:extLst>
               <a:ext uri="{FF2B5EF4-FFF2-40B4-BE49-F238E27FC236}">
-                <a16:creationId xmlns:a16="http://schemas.microsoft.com/office/drawing/2014/main" id="{1CED0454-C36A-2144-8C3D-4E8BB5942A66}"/>
+                <a16:creationId xmlns:a16="http://schemas.microsoft.com/office/drawing/2014/main" xmlns="" id="{1CED0454-C36A-2144-8C3D-4E8BB5942A66}"/>
               </a:ext>
             </a:extLst>
           </p:cNvPr>
@@ -7883,7 +7900,7 @@
           <p:cNvPr id="25" name="Rectangle 24">
             <a:extLst>
               <a:ext uri="{FF2B5EF4-FFF2-40B4-BE49-F238E27FC236}">
-                <a16:creationId xmlns:a16="http://schemas.microsoft.com/office/drawing/2014/main" id="{CB840652-4321-BC4F-AE50-BC6447757A47}"/>
+                <a16:creationId xmlns:a16="http://schemas.microsoft.com/office/drawing/2014/main" xmlns="" id="{CB840652-4321-BC4F-AE50-BC6447757A47}"/>
               </a:ext>
             </a:extLst>
           </p:cNvPr>
@@ -7941,7 +7958,7 @@
           <p:cNvPr id="26" name="Rectangle 25">
             <a:extLst>
               <a:ext uri="{FF2B5EF4-FFF2-40B4-BE49-F238E27FC236}">
-                <a16:creationId xmlns:a16="http://schemas.microsoft.com/office/drawing/2014/main" id="{3BF46D8F-07FB-0440-B043-36EAC670B731}"/>
+                <a16:creationId xmlns:a16="http://schemas.microsoft.com/office/drawing/2014/main" xmlns="" id="{3BF46D8F-07FB-0440-B043-36EAC670B731}"/>
               </a:ext>
             </a:extLst>
           </p:cNvPr>
@@ -7999,7 +8016,7 @@
           <p:cNvPr id="27" name="Rectangle 26">
             <a:extLst>
               <a:ext uri="{FF2B5EF4-FFF2-40B4-BE49-F238E27FC236}">
-                <a16:creationId xmlns:a16="http://schemas.microsoft.com/office/drawing/2014/main" id="{994E8A59-CBC7-1E45-B54F-FFFA708467C3}"/>
+                <a16:creationId xmlns:a16="http://schemas.microsoft.com/office/drawing/2014/main" xmlns="" id="{994E8A59-CBC7-1E45-B54F-FFFA708467C3}"/>
               </a:ext>
             </a:extLst>
           </p:cNvPr>
@@ -8057,7 +8074,7 @@
           <p:cNvPr id="28" name="Rectangle 27">
             <a:extLst>
               <a:ext uri="{FF2B5EF4-FFF2-40B4-BE49-F238E27FC236}">
-                <a16:creationId xmlns:a16="http://schemas.microsoft.com/office/drawing/2014/main" id="{1E9CF147-AA7D-C441-9E07-770FE353E51A}"/>
+                <a16:creationId xmlns:a16="http://schemas.microsoft.com/office/drawing/2014/main" xmlns="" id="{1E9CF147-AA7D-C441-9E07-770FE353E51A}"/>
               </a:ext>
             </a:extLst>
           </p:cNvPr>
@@ -8115,7 +8132,7 @@
           <p:cNvPr id="29" name="Rectangle 28">
             <a:extLst>
               <a:ext uri="{FF2B5EF4-FFF2-40B4-BE49-F238E27FC236}">
-                <a16:creationId xmlns:a16="http://schemas.microsoft.com/office/drawing/2014/main" id="{4177A310-E402-824B-B24C-7A7E8195227D}"/>
+                <a16:creationId xmlns:a16="http://schemas.microsoft.com/office/drawing/2014/main" xmlns="" id="{4177A310-E402-824B-B24C-7A7E8195227D}"/>
               </a:ext>
             </a:extLst>
           </p:cNvPr>
@@ -8173,7 +8190,7 @@
           <p:cNvPr id="30" name="Rectangle 29">
             <a:extLst>
               <a:ext uri="{FF2B5EF4-FFF2-40B4-BE49-F238E27FC236}">
-                <a16:creationId xmlns:a16="http://schemas.microsoft.com/office/drawing/2014/main" id="{F5069221-3BFC-0E47-B90C-D42EF33A5402}"/>
+                <a16:creationId xmlns:a16="http://schemas.microsoft.com/office/drawing/2014/main" xmlns="" id="{F5069221-3BFC-0E47-B90C-D42EF33A5402}"/>
               </a:ext>
             </a:extLst>
           </p:cNvPr>
@@ -8247,7 +8264,7 @@
           <p:cNvPr id="31" name="Rectangle 30">
             <a:extLst>
               <a:ext uri="{FF2B5EF4-FFF2-40B4-BE49-F238E27FC236}">
-                <a16:creationId xmlns:a16="http://schemas.microsoft.com/office/drawing/2014/main" id="{F987BE3A-0E94-474A-A615-172833D41051}"/>
+                <a16:creationId xmlns:a16="http://schemas.microsoft.com/office/drawing/2014/main" xmlns="" id="{F987BE3A-0E94-474A-A615-172833D41051}"/>
               </a:ext>
             </a:extLst>
           </p:cNvPr>
@@ -8305,7 +8322,7 @@
           <p:cNvPr id="32" name="Rectangle 31">
             <a:extLst>
               <a:ext uri="{FF2B5EF4-FFF2-40B4-BE49-F238E27FC236}">
-                <a16:creationId xmlns:a16="http://schemas.microsoft.com/office/drawing/2014/main" id="{1C577084-F60C-8940-8DDC-7A278DE97AA6}"/>
+                <a16:creationId xmlns:a16="http://schemas.microsoft.com/office/drawing/2014/main" xmlns="" id="{1C577084-F60C-8940-8DDC-7A278DE97AA6}"/>
               </a:ext>
             </a:extLst>
           </p:cNvPr>
@@ -8363,7 +8380,7 @@
           <p:cNvPr id="33" name="Rectangle 32">
             <a:extLst>
               <a:ext uri="{FF2B5EF4-FFF2-40B4-BE49-F238E27FC236}">
-                <a16:creationId xmlns:a16="http://schemas.microsoft.com/office/drawing/2014/main" id="{3D40B44A-1888-954F-AEB5-712B4205EE6F}"/>
+                <a16:creationId xmlns:a16="http://schemas.microsoft.com/office/drawing/2014/main" xmlns="" id="{3D40B44A-1888-954F-AEB5-712B4205EE6F}"/>
               </a:ext>
             </a:extLst>
           </p:cNvPr>
@@ -8421,7 +8438,7 @@
           <p:cNvPr id="34" name="Rectangle 33">
             <a:extLst>
               <a:ext uri="{FF2B5EF4-FFF2-40B4-BE49-F238E27FC236}">
-                <a16:creationId xmlns:a16="http://schemas.microsoft.com/office/drawing/2014/main" id="{E8F94615-3609-FA42-B3D1-AC1FAB8657B3}"/>
+                <a16:creationId xmlns:a16="http://schemas.microsoft.com/office/drawing/2014/main" xmlns="" id="{E8F94615-3609-FA42-B3D1-AC1FAB8657B3}"/>
               </a:ext>
             </a:extLst>
           </p:cNvPr>
@@ -8479,7 +8496,7 @@
           <p:cNvPr id="35" name="Rectangle 34">
             <a:extLst>
               <a:ext uri="{FF2B5EF4-FFF2-40B4-BE49-F238E27FC236}">
-                <a16:creationId xmlns:a16="http://schemas.microsoft.com/office/drawing/2014/main" id="{1C70AF60-282A-634D-97F0-E16DD41C4EFF}"/>
+                <a16:creationId xmlns:a16="http://schemas.microsoft.com/office/drawing/2014/main" xmlns="" id="{1C70AF60-282A-634D-97F0-E16DD41C4EFF}"/>
               </a:ext>
             </a:extLst>
           </p:cNvPr>
@@ -8537,7 +8554,7 @@
           <p:cNvPr id="36" name="Rectangle 35">
             <a:extLst>
               <a:ext uri="{FF2B5EF4-FFF2-40B4-BE49-F238E27FC236}">
-                <a16:creationId xmlns:a16="http://schemas.microsoft.com/office/drawing/2014/main" id="{F8C8845F-360C-C349-A88C-9BE90165EED2}"/>
+                <a16:creationId xmlns:a16="http://schemas.microsoft.com/office/drawing/2014/main" xmlns="" id="{F8C8845F-360C-C349-A88C-9BE90165EED2}"/>
               </a:ext>
             </a:extLst>
           </p:cNvPr>
@@ -8595,7 +8612,7 @@
           <p:cNvPr id="37" name="Rectangle 36">
             <a:extLst>
               <a:ext uri="{FF2B5EF4-FFF2-40B4-BE49-F238E27FC236}">
-                <a16:creationId xmlns:a16="http://schemas.microsoft.com/office/drawing/2014/main" id="{697875B4-BFB9-3446-B40B-D326FEF16F07}"/>
+                <a16:creationId xmlns:a16="http://schemas.microsoft.com/office/drawing/2014/main" xmlns="" id="{697875B4-BFB9-3446-B40B-D326FEF16F07}"/>
               </a:ext>
             </a:extLst>
           </p:cNvPr>
@@ -8653,7 +8670,7 @@
           <p:cNvPr id="38" name="Rectangle 37">
             <a:extLst>
               <a:ext uri="{FF2B5EF4-FFF2-40B4-BE49-F238E27FC236}">
-                <a16:creationId xmlns:a16="http://schemas.microsoft.com/office/drawing/2014/main" id="{767A76AC-D9A7-774C-B190-1D57E8F7099D}"/>
+                <a16:creationId xmlns:a16="http://schemas.microsoft.com/office/drawing/2014/main" xmlns="" id="{767A76AC-D9A7-774C-B190-1D57E8F7099D}"/>
               </a:ext>
             </a:extLst>
           </p:cNvPr>
@@ -8711,7 +8728,7 @@
           <p:cNvPr id="39" name="Rectangle 38">
             <a:extLst>
               <a:ext uri="{FF2B5EF4-FFF2-40B4-BE49-F238E27FC236}">
-                <a16:creationId xmlns:a16="http://schemas.microsoft.com/office/drawing/2014/main" id="{3F945172-8DE5-9947-9DEE-3102629EC3AC}"/>
+                <a16:creationId xmlns:a16="http://schemas.microsoft.com/office/drawing/2014/main" xmlns="" id="{3F945172-8DE5-9947-9DEE-3102629EC3AC}"/>
               </a:ext>
             </a:extLst>
           </p:cNvPr>
@@ -8769,7 +8786,7 @@
           <p:cNvPr id="40" name="Rectangle 39">
             <a:extLst>
               <a:ext uri="{FF2B5EF4-FFF2-40B4-BE49-F238E27FC236}">
-                <a16:creationId xmlns:a16="http://schemas.microsoft.com/office/drawing/2014/main" id="{AF3A8AEC-8985-C445-B3DA-0B03707A84FA}"/>
+                <a16:creationId xmlns:a16="http://schemas.microsoft.com/office/drawing/2014/main" xmlns="" id="{AF3A8AEC-8985-C445-B3DA-0B03707A84FA}"/>
               </a:ext>
             </a:extLst>
           </p:cNvPr>
@@ -8827,7 +8844,7 @@
           <p:cNvPr id="41" name="Rectangle 40">
             <a:extLst>
               <a:ext uri="{FF2B5EF4-FFF2-40B4-BE49-F238E27FC236}">
-                <a16:creationId xmlns:a16="http://schemas.microsoft.com/office/drawing/2014/main" id="{CD6ED58D-EA40-2B47-81AF-81EE3401C811}"/>
+                <a16:creationId xmlns:a16="http://schemas.microsoft.com/office/drawing/2014/main" xmlns="" id="{CD6ED58D-EA40-2B47-81AF-81EE3401C811}"/>
               </a:ext>
             </a:extLst>
           </p:cNvPr>
@@ -8885,7 +8902,7 @@
           <p:cNvPr id="42" name="Rectangle 41">
             <a:extLst>
               <a:ext uri="{FF2B5EF4-FFF2-40B4-BE49-F238E27FC236}">
-                <a16:creationId xmlns:a16="http://schemas.microsoft.com/office/drawing/2014/main" id="{C56184CB-3B1B-7849-B875-F01E4AAE40F9}"/>
+                <a16:creationId xmlns:a16="http://schemas.microsoft.com/office/drawing/2014/main" xmlns="" id="{C56184CB-3B1B-7849-B875-F01E4AAE40F9}"/>
               </a:ext>
             </a:extLst>
           </p:cNvPr>
@@ -8943,7 +8960,7 @@
           <p:cNvPr id="43" name="Rectangle 42">
             <a:extLst>
               <a:ext uri="{FF2B5EF4-FFF2-40B4-BE49-F238E27FC236}">
-                <a16:creationId xmlns:a16="http://schemas.microsoft.com/office/drawing/2014/main" id="{400E1627-75DF-D44F-BB1C-4C5FF9FF2EB7}"/>
+                <a16:creationId xmlns:a16="http://schemas.microsoft.com/office/drawing/2014/main" xmlns="" id="{400E1627-75DF-D44F-BB1C-4C5FF9FF2EB7}"/>
               </a:ext>
             </a:extLst>
           </p:cNvPr>
@@ -9001,7 +9018,7 @@
           <p:cNvPr id="44" name="Rectangle 43">
             <a:extLst>
               <a:ext uri="{FF2B5EF4-FFF2-40B4-BE49-F238E27FC236}">
-                <a16:creationId xmlns:a16="http://schemas.microsoft.com/office/drawing/2014/main" id="{E07C8B2D-8A42-3E4A-9704-EC9412F3F847}"/>
+                <a16:creationId xmlns:a16="http://schemas.microsoft.com/office/drawing/2014/main" xmlns="" id="{E07C8B2D-8A42-3E4A-9704-EC9412F3F847}"/>
               </a:ext>
             </a:extLst>
           </p:cNvPr>
@@ -9059,7 +9076,7 @@
           <p:cNvPr id="45" name="Rectangle 44">
             <a:extLst>
               <a:ext uri="{FF2B5EF4-FFF2-40B4-BE49-F238E27FC236}">
-                <a16:creationId xmlns:a16="http://schemas.microsoft.com/office/drawing/2014/main" id="{5C1D4D53-B885-C64D-9418-99CFAA3D4981}"/>
+                <a16:creationId xmlns:a16="http://schemas.microsoft.com/office/drawing/2014/main" xmlns="" id="{5C1D4D53-B885-C64D-9418-99CFAA3D4981}"/>
               </a:ext>
             </a:extLst>
           </p:cNvPr>
@@ -9117,7 +9134,7 @@
           <p:cNvPr id="46" name="Rectangle 45">
             <a:extLst>
               <a:ext uri="{FF2B5EF4-FFF2-40B4-BE49-F238E27FC236}">
-                <a16:creationId xmlns:a16="http://schemas.microsoft.com/office/drawing/2014/main" id="{BE2A9F1F-4A89-9D43-B611-8DD490122ED2}"/>
+                <a16:creationId xmlns:a16="http://schemas.microsoft.com/office/drawing/2014/main" xmlns="" id="{BE2A9F1F-4A89-9D43-B611-8DD490122ED2}"/>
               </a:ext>
             </a:extLst>
           </p:cNvPr>
@@ -9175,7 +9192,7 @@
           <p:cNvPr id="47" name="Rectangle 46">
             <a:extLst>
               <a:ext uri="{FF2B5EF4-FFF2-40B4-BE49-F238E27FC236}">
-                <a16:creationId xmlns:a16="http://schemas.microsoft.com/office/drawing/2014/main" id="{E915D4E7-4E96-EC40-9E5B-CBE8730829AC}"/>
+                <a16:creationId xmlns:a16="http://schemas.microsoft.com/office/drawing/2014/main" xmlns="" id="{E915D4E7-4E96-EC40-9E5B-CBE8730829AC}"/>
               </a:ext>
             </a:extLst>
           </p:cNvPr>
@@ -9233,7 +9250,7 @@
           <p:cNvPr id="48" name="Rectangle 47">
             <a:extLst>
               <a:ext uri="{FF2B5EF4-FFF2-40B4-BE49-F238E27FC236}">
-                <a16:creationId xmlns:a16="http://schemas.microsoft.com/office/drawing/2014/main" id="{835AD86B-49AB-B14B-8887-1C372AC208FB}"/>
+                <a16:creationId xmlns:a16="http://schemas.microsoft.com/office/drawing/2014/main" xmlns="" id="{835AD86B-49AB-B14B-8887-1C372AC208FB}"/>
               </a:ext>
             </a:extLst>
           </p:cNvPr>
@@ -9291,7 +9308,7 @@
           <p:cNvPr id="49" name="Rectangle 48">
             <a:extLst>
               <a:ext uri="{FF2B5EF4-FFF2-40B4-BE49-F238E27FC236}">
-                <a16:creationId xmlns:a16="http://schemas.microsoft.com/office/drawing/2014/main" id="{BA26A64C-4EA1-5342-9532-2779658EECA3}"/>
+                <a16:creationId xmlns:a16="http://schemas.microsoft.com/office/drawing/2014/main" xmlns="" id="{BA26A64C-4EA1-5342-9532-2779658EECA3}"/>
               </a:ext>
             </a:extLst>
           </p:cNvPr>
@@ -9350,7 +9367,7 @@
           <p:cNvPr id="50" name="Rectangle 49">
             <a:extLst>
               <a:ext uri="{FF2B5EF4-FFF2-40B4-BE49-F238E27FC236}">
-                <a16:creationId xmlns:a16="http://schemas.microsoft.com/office/drawing/2014/main" id="{13BABEBA-513F-754A-AE76-898C48BDADA6}"/>
+                <a16:creationId xmlns:a16="http://schemas.microsoft.com/office/drawing/2014/main" xmlns="" id="{13BABEBA-513F-754A-AE76-898C48BDADA6}"/>
               </a:ext>
             </a:extLst>
           </p:cNvPr>
@@ -9409,7 +9426,7 @@
           <p:cNvPr id="51" name="Rectangle 50">
             <a:extLst>
               <a:ext uri="{FF2B5EF4-FFF2-40B4-BE49-F238E27FC236}">
-                <a16:creationId xmlns:a16="http://schemas.microsoft.com/office/drawing/2014/main" id="{2AFFC7D5-7DC4-FF45-87A0-90A4E8E0A4F9}"/>
+                <a16:creationId xmlns:a16="http://schemas.microsoft.com/office/drawing/2014/main" xmlns="" id="{2AFFC7D5-7DC4-FF45-87A0-90A4E8E0A4F9}"/>
               </a:ext>
             </a:extLst>
           </p:cNvPr>
@@ -9468,7 +9485,7 @@
           <p:cNvPr id="54" name="Rectangle 53">
             <a:extLst>
               <a:ext uri="{FF2B5EF4-FFF2-40B4-BE49-F238E27FC236}">
-                <a16:creationId xmlns:a16="http://schemas.microsoft.com/office/drawing/2014/main" id="{D9AF165A-7153-944E-AD62-6276047B671A}"/>
+                <a16:creationId xmlns:a16="http://schemas.microsoft.com/office/drawing/2014/main" xmlns="" id="{D9AF165A-7153-944E-AD62-6276047B671A}"/>
               </a:ext>
             </a:extLst>
           </p:cNvPr>
@@ -9527,7 +9544,7 @@
           <p:cNvPr id="55" name="Rectangle 54">
             <a:extLst>
               <a:ext uri="{FF2B5EF4-FFF2-40B4-BE49-F238E27FC236}">
-                <a16:creationId xmlns:a16="http://schemas.microsoft.com/office/drawing/2014/main" id="{9EC66025-E882-9E4B-AD61-2887934EDD53}"/>
+                <a16:creationId xmlns:a16="http://schemas.microsoft.com/office/drawing/2014/main" xmlns="" id="{9EC66025-E882-9E4B-AD61-2887934EDD53}"/>
               </a:ext>
             </a:extLst>
           </p:cNvPr>
@@ -9586,7 +9603,7 @@
           <p:cNvPr id="56" name="Rectangle 55">
             <a:extLst>
               <a:ext uri="{FF2B5EF4-FFF2-40B4-BE49-F238E27FC236}">
-                <a16:creationId xmlns:a16="http://schemas.microsoft.com/office/drawing/2014/main" id="{5FE73A08-04CA-9F44-AA40-55255648DA0C}"/>
+                <a16:creationId xmlns:a16="http://schemas.microsoft.com/office/drawing/2014/main" xmlns="" id="{5FE73A08-04CA-9F44-AA40-55255648DA0C}"/>
               </a:ext>
             </a:extLst>
           </p:cNvPr>
@@ -9645,7 +9662,7 @@
           <p:cNvPr id="57" name="Rectangle 56">
             <a:extLst>
               <a:ext uri="{FF2B5EF4-FFF2-40B4-BE49-F238E27FC236}">
-                <a16:creationId xmlns:a16="http://schemas.microsoft.com/office/drawing/2014/main" id="{26FDA18F-C137-C141-8649-3E49DAC833A5}"/>
+                <a16:creationId xmlns:a16="http://schemas.microsoft.com/office/drawing/2014/main" xmlns="" id="{26FDA18F-C137-C141-8649-3E49DAC833A5}"/>
               </a:ext>
             </a:extLst>
           </p:cNvPr>
@@ -9704,7 +9721,7 @@
           <p:cNvPr id="59" name="Rectangle 58">
             <a:extLst>
               <a:ext uri="{FF2B5EF4-FFF2-40B4-BE49-F238E27FC236}">
-                <a16:creationId xmlns:a16="http://schemas.microsoft.com/office/drawing/2014/main" id="{C41345CA-DB58-A842-8933-9816BBFCB514}"/>
+                <a16:creationId xmlns:a16="http://schemas.microsoft.com/office/drawing/2014/main" xmlns="" id="{C41345CA-DB58-A842-8933-9816BBFCB514}"/>
               </a:ext>
             </a:extLst>
           </p:cNvPr>
@@ -9763,7 +9780,7 @@
           <p:cNvPr id="60" name="Rectangle 59">
             <a:extLst>
               <a:ext uri="{FF2B5EF4-FFF2-40B4-BE49-F238E27FC236}">
-                <a16:creationId xmlns:a16="http://schemas.microsoft.com/office/drawing/2014/main" id="{98953EE6-BF39-6A46-878C-AA17837A662F}"/>
+                <a16:creationId xmlns:a16="http://schemas.microsoft.com/office/drawing/2014/main" xmlns="" id="{98953EE6-BF39-6A46-878C-AA17837A662F}"/>
               </a:ext>
             </a:extLst>
           </p:cNvPr>
@@ -9822,7 +9839,7 @@
           <p:cNvPr id="61" name="Rectangle 60">
             <a:extLst>
               <a:ext uri="{FF2B5EF4-FFF2-40B4-BE49-F238E27FC236}">
-                <a16:creationId xmlns:a16="http://schemas.microsoft.com/office/drawing/2014/main" id="{60E92EAA-2A81-6F48-8EC6-0A49C4FFDC67}"/>
+                <a16:creationId xmlns:a16="http://schemas.microsoft.com/office/drawing/2014/main" xmlns="" id="{60E92EAA-2A81-6F48-8EC6-0A49C4FFDC67}"/>
               </a:ext>
             </a:extLst>
           </p:cNvPr>
@@ -9881,7 +9898,7 @@
           <p:cNvPr id="62" name="Rectangle 61">
             <a:extLst>
               <a:ext uri="{FF2B5EF4-FFF2-40B4-BE49-F238E27FC236}">
-                <a16:creationId xmlns:a16="http://schemas.microsoft.com/office/drawing/2014/main" id="{A18BD3AC-8162-1E44-AA4C-B254F112C880}"/>
+                <a16:creationId xmlns:a16="http://schemas.microsoft.com/office/drawing/2014/main" xmlns="" id="{A18BD3AC-8162-1E44-AA4C-B254F112C880}"/>
               </a:ext>
             </a:extLst>
           </p:cNvPr>
@@ -9940,7 +9957,7 @@
           <p:cNvPr id="63" name="Rectangle 62">
             <a:extLst>
               <a:ext uri="{FF2B5EF4-FFF2-40B4-BE49-F238E27FC236}">
-                <a16:creationId xmlns:a16="http://schemas.microsoft.com/office/drawing/2014/main" id="{ED51B015-8F6E-934B-8A61-21DC2F3F233D}"/>
+                <a16:creationId xmlns:a16="http://schemas.microsoft.com/office/drawing/2014/main" xmlns="" id="{ED51B015-8F6E-934B-8A61-21DC2F3F233D}"/>
               </a:ext>
             </a:extLst>
           </p:cNvPr>
@@ -9999,7 +10016,7 @@
           <p:cNvPr id="64" name="Rectangle 63">
             <a:extLst>
               <a:ext uri="{FF2B5EF4-FFF2-40B4-BE49-F238E27FC236}">
-                <a16:creationId xmlns:a16="http://schemas.microsoft.com/office/drawing/2014/main" id="{262D547B-7754-6342-93E0-6582D6A568BF}"/>
+                <a16:creationId xmlns:a16="http://schemas.microsoft.com/office/drawing/2014/main" xmlns="" id="{262D547B-7754-6342-93E0-6582D6A568BF}"/>
               </a:ext>
             </a:extLst>
           </p:cNvPr>
@@ -10058,7 +10075,7 @@
           <p:cNvPr id="66" name="Rectangle 65">
             <a:extLst>
               <a:ext uri="{FF2B5EF4-FFF2-40B4-BE49-F238E27FC236}">
-                <a16:creationId xmlns:a16="http://schemas.microsoft.com/office/drawing/2014/main" id="{ACB0E5E2-FD76-6C45-BC1E-3236460AE4F3}"/>
+                <a16:creationId xmlns:a16="http://schemas.microsoft.com/office/drawing/2014/main" xmlns="" id="{ACB0E5E2-FD76-6C45-BC1E-3236460AE4F3}"/>
               </a:ext>
             </a:extLst>
           </p:cNvPr>
@@ -10117,7 +10134,7 @@
           <p:cNvPr id="70" name="TextBox 69">
             <a:extLst>
               <a:ext uri="{FF2B5EF4-FFF2-40B4-BE49-F238E27FC236}">
-                <a16:creationId xmlns:a16="http://schemas.microsoft.com/office/drawing/2014/main" id="{614E8C49-CCA5-1540-B904-95B0A94DC347}"/>
+                <a16:creationId xmlns:a16="http://schemas.microsoft.com/office/drawing/2014/main" xmlns="" id="{614E8C49-CCA5-1540-B904-95B0A94DC347}"/>
               </a:ext>
             </a:extLst>
           </p:cNvPr>
@@ -10172,7 +10189,7 @@
           <p:cNvPr id="4" name="Straight Connector 3">
             <a:extLst>
               <a:ext uri="{FF2B5EF4-FFF2-40B4-BE49-F238E27FC236}">
-                <a16:creationId xmlns:a16="http://schemas.microsoft.com/office/drawing/2014/main" id="{172C6DD3-6528-A348-9798-62E7B653FCD9}"/>
+                <a16:creationId xmlns:a16="http://schemas.microsoft.com/office/drawing/2014/main" xmlns="" id="{172C6DD3-6528-A348-9798-62E7B653FCD9}"/>
               </a:ext>
             </a:extLst>
           </p:cNvPr>
@@ -10214,7 +10231,7 @@
           <p:cNvPr id="65" name="Straight Connector 64">
             <a:extLst>
               <a:ext uri="{FF2B5EF4-FFF2-40B4-BE49-F238E27FC236}">
-                <a16:creationId xmlns:a16="http://schemas.microsoft.com/office/drawing/2014/main" id="{A304DC8A-02A8-694F-90CC-97B1E21D0051}"/>
+                <a16:creationId xmlns:a16="http://schemas.microsoft.com/office/drawing/2014/main" xmlns="" id="{A304DC8A-02A8-694F-90CC-97B1E21D0051}"/>
               </a:ext>
             </a:extLst>
           </p:cNvPr>
@@ -10256,7 +10273,7 @@
           <p:cNvPr id="67" name="Straight Connector 66">
             <a:extLst>
               <a:ext uri="{FF2B5EF4-FFF2-40B4-BE49-F238E27FC236}">
-                <a16:creationId xmlns:a16="http://schemas.microsoft.com/office/drawing/2014/main" id="{AC0B153D-B22F-6F40-A00D-2F037449E61C}"/>
+                <a16:creationId xmlns:a16="http://schemas.microsoft.com/office/drawing/2014/main" xmlns="" id="{AC0B153D-B22F-6F40-A00D-2F037449E61C}"/>
               </a:ext>
             </a:extLst>
           </p:cNvPr>
@@ -10298,7 +10315,7 @@
           <p:cNvPr id="69" name="Straight Connector 68">
             <a:extLst>
               <a:ext uri="{FF2B5EF4-FFF2-40B4-BE49-F238E27FC236}">
-                <a16:creationId xmlns:a16="http://schemas.microsoft.com/office/drawing/2014/main" id="{AEF903C8-4868-614D-B569-A9D0EBD88372}"/>
+                <a16:creationId xmlns:a16="http://schemas.microsoft.com/office/drawing/2014/main" xmlns="" id="{AEF903C8-4868-614D-B569-A9D0EBD88372}"/>
               </a:ext>
             </a:extLst>
           </p:cNvPr>
@@ -10340,7 +10357,7 @@
           <p:cNvPr id="71" name="Straight Connector 70">
             <a:extLst>
               <a:ext uri="{FF2B5EF4-FFF2-40B4-BE49-F238E27FC236}">
-                <a16:creationId xmlns:a16="http://schemas.microsoft.com/office/drawing/2014/main" id="{7A386BB3-C9DE-DA4A-892A-219C569C3F0F}"/>
+                <a16:creationId xmlns:a16="http://schemas.microsoft.com/office/drawing/2014/main" xmlns="" id="{7A386BB3-C9DE-DA4A-892A-219C569C3F0F}"/>
               </a:ext>
             </a:extLst>
           </p:cNvPr>
@@ -10412,7 +10429,7 @@
           <p:cNvPr id="2" name="Slide Number Placeholder 1">
             <a:extLst>
               <a:ext uri="{FF2B5EF4-FFF2-40B4-BE49-F238E27FC236}">
-                <a16:creationId xmlns:a16="http://schemas.microsoft.com/office/drawing/2014/main" id="{59B32CB2-E5F9-3A49-9A5E-86036070AD23}"/>
+                <a16:creationId xmlns:a16="http://schemas.microsoft.com/office/drawing/2014/main" xmlns="" id="{59B32CB2-E5F9-3A49-9A5E-86036070AD23}"/>
               </a:ext>
             </a:extLst>
           </p:cNvPr>
@@ -10450,7 +10467,7 @@
           <p:cNvPr id="3" name="Title 2">
             <a:extLst>
               <a:ext uri="{FF2B5EF4-FFF2-40B4-BE49-F238E27FC236}">
-                <a16:creationId xmlns:a16="http://schemas.microsoft.com/office/drawing/2014/main" id="{806C8FC3-6B02-4543-89F6-D4E0D0D65A95}"/>
+                <a16:creationId xmlns:a16="http://schemas.microsoft.com/office/drawing/2014/main" xmlns="" id="{806C8FC3-6B02-4543-89F6-D4E0D0D65A95}"/>
               </a:ext>
             </a:extLst>
           </p:cNvPr>
@@ -10483,7 +10500,7 @@
           <p:cNvPr id="4" name="Text Placeholder 3">
             <a:extLst>
               <a:ext uri="{FF2B5EF4-FFF2-40B4-BE49-F238E27FC236}">
-                <a16:creationId xmlns:a16="http://schemas.microsoft.com/office/drawing/2014/main" id="{4282A18D-A4A7-DB4E-B955-9CF728772D54}"/>
+                <a16:creationId xmlns:a16="http://schemas.microsoft.com/office/drawing/2014/main" xmlns="" id="{4282A18D-A4A7-DB4E-B955-9CF728772D54}"/>
               </a:ext>
             </a:extLst>
           </p:cNvPr>
@@ -10513,7 +10530,7 @@
           <p:cNvPr id="5" name="Content Placeholder 4">
             <a:extLst>
               <a:ext uri="{FF2B5EF4-FFF2-40B4-BE49-F238E27FC236}">
-                <a16:creationId xmlns:a16="http://schemas.microsoft.com/office/drawing/2014/main" id="{9C1C31C5-B68F-4647-AF66-213E8CCF330A}"/>
+                <a16:creationId xmlns:a16="http://schemas.microsoft.com/office/drawing/2014/main" xmlns="" id="{9C1C31C5-B68F-4647-AF66-213E8CCF330A}"/>
               </a:ext>
             </a:extLst>
           </p:cNvPr>
@@ -10641,7 +10658,7 @@
           <p:cNvPr id="2" name="Slide Number Placeholder 1">
             <a:extLst>
               <a:ext uri="{FF2B5EF4-FFF2-40B4-BE49-F238E27FC236}">
-                <a16:creationId xmlns:a16="http://schemas.microsoft.com/office/drawing/2014/main" id="{ED6B2A2F-B223-BE4A-9847-F7E626650245}"/>
+                <a16:creationId xmlns:a16="http://schemas.microsoft.com/office/drawing/2014/main" xmlns="" id="{ED6B2A2F-B223-BE4A-9847-F7E626650245}"/>
               </a:ext>
             </a:extLst>
           </p:cNvPr>
@@ -10679,7 +10696,7 @@
           <p:cNvPr id="3" name="Title 2">
             <a:extLst>
               <a:ext uri="{FF2B5EF4-FFF2-40B4-BE49-F238E27FC236}">
-                <a16:creationId xmlns:a16="http://schemas.microsoft.com/office/drawing/2014/main" id="{5286BF53-2E2A-EC44-A0A9-29410F0AE94B}"/>
+                <a16:creationId xmlns:a16="http://schemas.microsoft.com/office/drawing/2014/main" xmlns="" id="{5286BF53-2E2A-EC44-A0A9-29410F0AE94B}"/>
               </a:ext>
             </a:extLst>
           </p:cNvPr>
@@ -10707,7 +10724,7 @@
           <p:cNvPr id="4" name="Text Placeholder 3">
             <a:extLst>
               <a:ext uri="{FF2B5EF4-FFF2-40B4-BE49-F238E27FC236}">
-                <a16:creationId xmlns:a16="http://schemas.microsoft.com/office/drawing/2014/main" id="{3B3B3063-C04B-1142-8892-C479A3D10623}"/>
+                <a16:creationId xmlns:a16="http://schemas.microsoft.com/office/drawing/2014/main" xmlns="" id="{3B3B3063-C04B-1142-8892-C479A3D10623}"/>
               </a:ext>
             </a:extLst>
           </p:cNvPr>
@@ -10732,7 +10749,7 @@
           <p:cNvPr id="5" name="Content Placeholder 4">
             <a:extLst>
               <a:ext uri="{FF2B5EF4-FFF2-40B4-BE49-F238E27FC236}">
-                <a16:creationId xmlns:a16="http://schemas.microsoft.com/office/drawing/2014/main" id="{CCDF3669-F81E-F843-B131-C98AB1743B91}"/>
+                <a16:creationId xmlns:a16="http://schemas.microsoft.com/office/drawing/2014/main" xmlns="" id="{CCDF3669-F81E-F843-B131-C98AB1743B91}"/>
               </a:ext>
             </a:extLst>
           </p:cNvPr>
@@ -10836,6 +10853,1030 @@
     <p:extLst>
       <p:ext uri="{BB962C8B-B14F-4D97-AF65-F5344CB8AC3E}">
         <p14:creationId xmlns:p14="http://schemas.microsoft.com/office/powerpoint/2010/main" val="2691637360"/>
+      </p:ext>
+    </p:extLst>
+  </p:cSld>
+  <p:clrMapOvr>
+    <a:masterClrMapping/>
+  </p:clrMapOvr>
+</p:sld>
+</file>
+
+<file path=ppt/slides/slide7.xml><?xml version="1.0" encoding="utf-8"?>
+<p:sld xmlns:a="http://schemas.openxmlformats.org/drawingml/2006/main" xmlns:r="http://schemas.openxmlformats.org/officeDocument/2006/relationships" xmlns:p="http://schemas.openxmlformats.org/presentationml/2006/main">
+  <p:cSld>
+    <p:spTree>
+      <p:nvGrpSpPr>
+        <p:cNvPr id="1" name=""/>
+        <p:cNvGrpSpPr/>
+        <p:nvPr/>
+      </p:nvGrpSpPr>
+      <p:grpSpPr>
+        <a:xfrm>
+          <a:off x="0" y="0"/>
+          <a:ext cx="0" cy="0"/>
+          <a:chOff x="0" y="0"/>
+          <a:chExt cx="0" cy="0"/>
+        </a:xfrm>
+      </p:grpSpPr>
+      <p:sp>
+        <p:nvSpPr>
+          <p:cNvPr id="2" name="Slide Number Placeholder 1"/>
+          <p:cNvSpPr>
+            <a:spLocks noGrp="1"/>
+          </p:cNvSpPr>
+          <p:nvPr>
+            <p:ph type="sldNum" sz="quarter" idx="12"/>
+          </p:nvPr>
+        </p:nvSpPr>
+        <p:spPr/>
+        <p:txBody>
+          <a:bodyPr/>
+          <a:lstStyle/>
+          <a:p>
+            <a:fld id="{0A655226-6E4F-8847-85CD-AF95F3D3F39A}" type="slidenum">
+              <a:rPr lang="en-US" smtClean="0">
+                <a:solidFill>
+                  <a:srgbClr val="666666"/>
+                </a:solidFill>
+              </a:rPr>
+              <a:pPr/>
+              <a:t>7</a:t>
+            </a:fld>
+            <a:endParaRPr lang="en-US" dirty="0">
+              <a:solidFill>
+                <a:srgbClr val="666666"/>
+              </a:solidFill>
+            </a:endParaRPr>
+          </a:p>
+        </p:txBody>
+      </p:sp>
+      <p:sp>
+        <p:nvSpPr>
+          <p:cNvPr id="3" name="Title 2"/>
+          <p:cNvSpPr>
+            <a:spLocks noGrp="1"/>
+          </p:cNvSpPr>
+          <p:nvPr>
+            <p:ph type="title"/>
+          </p:nvPr>
+        </p:nvSpPr>
+        <p:spPr/>
+        <p:txBody>
+          <a:bodyPr/>
+          <a:lstStyle/>
+          <a:p>
+            <a:r>
+              <a:rPr lang="en-US" dirty="0" smtClean="0"/>
+              <a:t>Results	</a:t>
+            </a:r>
+            <a:endParaRPr lang="en-US" dirty="0"/>
+          </a:p>
+        </p:txBody>
+      </p:sp>
+      <p:graphicFrame>
+        <p:nvGraphicFramePr>
+          <p:cNvPr id="6" name="Content Placeholder 5"/>
+          <p:cNvGraphicFramePr>
+            <a:graphicFrameLocks noGrp="1"/>
+          </p:cNvGraphicFramePr>
+          <p:nvPr>
+            <p:ph idx="1"/>
+            <p:extLst>
+              <p:ext uri="{D42A27DB-BD31-4B8C-83A1-F6EECF244321}">
+                <p14:modId xmlns:p14="http://schemas.microsoft.com/office/powerpoint/2010/main" val="1824613689"/>
+              </p:ext>
+            </p:extLst>
+          </p:nvPr>
+        </p:nvGraphicFramePr>
+        <p:xfrm>
+          <a:off x="373063" y="1397000"/>
+          <a:ext cx="10226874" cy="2747680"/>
+        </p:xfrm>
+        <a:graphic>
+          <a:graphicData uri="http://schemas.openxmlformats.org/drawingml/2006/table">
+            <a:tbl>
+              <a:tblPr firstRow="1" bandRow="1">
+                <a:tableStyleId>{5C22544A-7EE6-4342-B048-85BDC9FD1C3A}</a:tableStyleId>
+              </a:tblPr>
+              <a:tblGrid>
+                <a:gridCol w="1704479"/>
+                <a:gridCol w="1704479"/>
+                <a:gridCol w="1704479"/>
+                <a:gridCol w="1704479"/>
+                <a:gridCol w="1704479"/>
+                <a:gridCol w="1704479"/>
+              </a:tblGrid>
+              <a:tr h="348368">
+                <a:tc>
+                  <a:txBody>
+                    <a:bodyPr/>
+                    <a:lstStyle/>
+                    <a:p>
+                      <a:r>
+                        <a:rPr lang="en-US" dirty="0" smtClean="0"/>
+                        <a:t>Objective</a:t>
+                      </a:r>
+                      <a:endParaRPr lang="en-US" dirty="0"/>
+                    </a:p>
+                  </a:txBody>
+                  <a:tcPr/>
+                </a:tc>
+                <a:tc>
+                  <a:txBody>
+                    <a:bodyPr/>
+                    <a:lstStyle/>
+                    <a:p>
+                      <a:r>
+                        <a:rPr lang="en-US" dirty="0" smtClean="0"/>
+                        <a:t>Learning Rate</a:t>
+                      </a:r>
+                      <a:endParaRPr lang="en-US" dirty="0"/>
+                    </a:p>
+                  </a:txBody>
+                  <a:tcPr/>
+                </a:tc>
+                <a:tc>
+                  <a:txBody>
+                    <a:bodyPr/>
+                    <a:lstStyle/>
+                    <a:p>
+                      <a:r>
+                        <a:rPr lang="en-US" dirty="0" err="1" smtClean="0"/>
+                        <a:t>Epocs</a:t>
+                      </a:r>
+                      <a:endParaRPr lang="en-US" dirty="0"/>
+                    </a:p>
+                  </a:txBody>
+                  <a:tcPr/>
+                </a:tc>
+                <a:tc>
+                  <a:txBody>
+                    <a:bodyPr/>
+                    <a:lstStyle/>
+                    <a:p>
+                      <a:r>
+                        <a:rPr lang="en-US" dirty="0" smtClean="0"/>
+                        <a:t>Loss</a:t>
+                      </a:r>
+                      <a:endParaRPr lang="en-US" dirty="0"/>
+                    </a:p>
+                  </a:txBody>
+                  <a:tcPr/>
+                </a:tc>
+                <a:tc>
+                  <a:txBody>
+                    <a:bodyPr/>
+                    <a:lstStyle/>
+                    <a:p>
+                      <a:r>
+                        <a:rPr lang="en-US" dirty="0" smtClean="0"/>
+                        <a:t>Accuracy</a:t>
+                      </a:r>
+                      <a:endParaRPr lang="en-US" dirty="0"/>
+                    </a:p>
+                  </a:txBody>
+                  <a:tcPr/>
+                </a:tc>
+                <a:tc>
+                  <a:txBody>
+                    <a:bodyPr/>
+                    <a:lstStyle/>
+                    <a:p>
+                      <a:r>
+                        <a:rPr lang="en-US" dirty="0" smtClean="0"/>
+                        <a:t>AUC</a:t>
+                      </a:r>
+                      <a:endParaRPr lang="en-US" dirty="0"/>
+                    </a:p>
+                  </a:txBody>
+                  <a:tcPr/>
+                </a:tc>
+              </a:tr>
+              <a:tr h="348368">
+                <a:tc>
+                  <a:txBody>
+                    <a:bodyPr/>
+                    <a:lstStyle/>
+                    <a:p>
+                      <a:r>
+                        <a:rPr lang="en-US" dirty="0" smtClean="0"/>
+                        <a:t>Minimize Loss</a:t>
+                      </a:r>
+                      <a:endParaRPr lang="en-US" dirty="0"/>
+                    </a:p>
+                  </a:txBody>
+                  <a:tcPr/>
+                </a:tc>
+                <a:tc>
+                  <a:txBody>
+                    <a:bodyPr/>
+                    <a:lstStyle/>
+                    <a:p>
+                      <a:r>
+                        <a:rPr lang="en-US" dirty="0" smtClean="0"/>
+                        <a:t>0.001 </a:t>
+                      </a:r>
+                      <a:r>
+                        <a:rPr lang="mr-IN" dirty="0" smtClean="0"/>
+                        <a:t>–</a:t>
+                      </a:r>
+                      <a:r>
+                        <a:rPr lang="en-US" dirty="0" smtClean="0"/>
+                        <a:t> 0.0001</a:t>
+                      </a:r>
+                      <a:endParaRPr lang="en-US" dirty="0"/>
+                    </a:p>
+                  </a:txBody>
+                  <a:tcPr/>
+                </a:tc>
+                <a:tc>
+                  <a:txBody>
+                    <a:bodyPr/>
+                    <a:lstStyle/>
+                    <a:p>
+                      <a:r>
+                        <a:rPr lang="en-US" dirty="0" smtClean="0"/>
+                        <a:t>1</a:t>
+                      </a:r>
+                      <a:endParaRPr lang="en-US" dirty="0"/>
+                    </a:p>
+                  </a:txBody>
+                  <a:tcPr/>
+                </a:tc>
+                <a:tc>
+                  <a:txBody>
+                    <a:bodyPr/>
+                    <a:lstStyle/>
+                    <a:p>
+                      <a:r>
+                        <a:rPr lang="is-IS" sz="1350" b="0" i="0" kern="1200" dirty="0" smtClean="0">
+                          <a:solidFill>
+                            <a:schemeClr val="dk1"/>
+                          </a:solidFill>
+                          <a:effectLst/>
+                          <a:latin typeface="+mn-lt"/>
+                          <a:ea typeface="+mn-ea"/>
+                          <a:cs typeface="+mn-cs"/>
+                        </a:rPr>
+                        <a:t>1.1651</a:t>
+                      </a:r>
+                      <a:endParaRPr lang="en-US" dirty="0"/>
+                    </a:p>
+                  </a:txBody>
+                  <a:tcPr/>
+                </a:tc>
+                <a:tc>
+                  <a:txBody>
+                    <a:bodyPr/>
+                    <a:lstStyle/>
+                    <a:p>
+                      <a:endParaRPr lang="en-US"/>
+                    </a:p>
+                  </a:txBody>
+                  <a:tcPr/>
+                </a:tc>
+                <a:tc>
+                  <a:txBody>
+                    <a:bodyPr/>
+                    <a:lstStyle/>
+                    <a:p>
+                      <a:endParaRPr lang="en-US"/>
+                    </a:p>
+                  </a:txBody>
+                  <a:tcPr/>
+                </a:tc>
+              </a:tr>
+              <a:tr h="348368">
+                <a:tc>
+                  <a:txBody>
+                    <a:bodyPr/>
+                    <a:lstStyle/>
+                    <a:p>
+                      <a:pPr marL="0" marR="0" indent="0" algn="l" defTabSz="342997" rtl="0" eaLnBrk="1" fontAlgn="auto" latinLnBrk="0" hangingPunct="1">
+                        <a:lnSpc>
+                          <a:spcPct val="100000"/>
+                        </a:lnSpc>
+                        <a:spcBef>
+                          <a:spcPts val="0"/>
+                        </a:spcBef>
+                        <a:spcAft>
+                          <a:spcPts val="0"/>
+                        </a:spcAft>
+                        <a:buClrTx/>
+                        <a:buSzTx/>
+                        <a:buFontTx/>
+                        <a:buNone/>
+                        <a:tabLst/>
+                        <a:defRPr/>
+                      </a:pPr>
+                      <a:r>
+                        <a:rPr lang="en-US" dirty="0" smtClean="0"/>
+                        <a:t>Minimize Loss</a:t>
+                      </a:r>
+                    </a:p>
+                  </a:txBody>
+                  <a:tcPr/>
+                </a:tc>
+                <a:tc>
+                  <a:txBody>
+                    <a:bodyPr/>
+                    <a:lstStyle/>
+                    <a:p>
+                      <a:pPr marL="0" marR="0" indent="0" algn="l" defTabSz="342997" rtl="0" eaLnBrk="1" fontAlgn="auto" latinLnBrk="0" hangingPunct="1">
+                        <a:lnSpc>
+                          <a:spcPct val="100000"/>
+                        </a:lnSpc>
+                        <a:spcBef>
+                          <a:spcPts val="0"/>
+                        </a:spcBef>
+                        <a:spcAft>
+                          <a:spcPts val="0"/>
+                        </a:spcAft>
+                        <a:buClrTx/>
+                        <a:buSzTx/>
+                        <a:buFontTx/>
+                        <a:buNone/>
+                        <a:tabLst/>
+                        <a:defRPr/>
+                      </a:pPr>
+                      <a:r>
+                        <a:rPr lang="en-US" dirty="0" smtClean="0"/>
+                        <a:t>0.001 </a:t>
+                      </a:r>
+                      <a:r>
+                        <a:rPr lang="mr-IN" dirty="0" smtClean="0"/>
+                        <a:t>–</a:t>
+                      </a:r>
+                      <a:r>
+                        <a:rPr lang="en-US" dirty="0" smtClean="0"/>
+                        <a:t> 0.0001</a:t>
+                      </a:r>
+                    </a:p>
+                  </a:txBody>
+                  <a:tcPr/>
+                </a:tc>
+                <a:tc>
+                  <a:txBody>
+                    <a:bodyPr/>
+                    <a:lstStyle/>
+                    <a:p>
+                      <a:r>
+                        <a:rPr lang="en-US" dirty="0" smtClean="0"/>
+                        <a:t>5</a:t>
+                      </a:r>
+                      <a:endParaRPr lang="en-US" dirty="0"/>
+                    </a:p>
+                  </a:txBody>
+                  <a:tcPr/>
+                </a:tc>
+                <a:tc>
+                  <a:txBody>
+                    <a:bodyPr/>
+                    <a:lstStyle/>
+                    <a:p>
+                      <a:r>
+                        <a:rPr lang="nb-NO" sz="1350" b="0" i="0" kern="1200" dirty="0" smtClean="0">
+                          <a:solidFill>
+                            <a:schemeClr val="dk1"/>
+                          </a:solidFill>
+                          <a:effectLst/>
+                          <a:latin typeface="+mn-lt"/>
+                          <a:ea typeface="+mn-ea"/>
+                          <a:cs typeface="+mn-cs"/>
+                        </a:rPr>
+                        <a:t>0.8384</a:t>
+                      </a:r>
+                      <a:endParaRPr lang="en-US" dirty="0"/>
+                    </a:p>
+                  </a:txBody>
+                  <a:tcPr/>
+                </a:tc>
+                <a:tc>
+                  <a:txBody>
+                    <a:bodyPr/>
+                    <a:lstStyle/>
+                    <a:p>
+                      <a:endParaRPr lang="en-US"/>
+                    </a:p>
+                  </a:txBody>
+                  <a:tcPr/>
+                </a:tc>
+                <a:tc>
+                  <a:txBody>
+                    <a:bodyPr/>
+                    <a:lstStyle/>
+                    <a:p>
+                      <a:endParaRPr lang="en-US" dirty="0"/>
+                    </a:p>
+                  </a:txBody>
+                  <a:tcPr/>
+                </a:tc>
+              </a:tr>
+              <a:tr h="348368">
+                <a:tc>
+                  <a:txBody>
+                    <a:bodyPr/>
+                    <a:lstStyle/>
+                    <a:p>
+                      <a:pPr marL="0" marR="0" indent="0" algn="l" defTabSz="342997" rtl="0" eaLnBrk="1" fontAlgn="auto" latinLnBrk="0" hangingPunct="1">
+                        <a:lnSpc>
+                          <a:spcPct val="100000"/>
+                        </a:lnSpc>
+                        <a:spcBef>
+                          <a:spcPts val="0"/>
+                        </a:spcBef>
+                        <a:spcAft>
+                          <a:spcPts val="0"/>
+                        </a:spcAft>
+                        <a:buClrTx/>
+                        <a:buSzTx/>
+                        <a:buFontTx/>
+                        <a:buNone/>
+                        <a:tabLst/>
+                        <a:defRPr/>
+                      </a:pPr>
+                      <a:r>
+                        <a:rPr lang="en-US" dirty="0" smtClean="0"/>
+                        <a:t>Maximize Accuracy</a:t>
+                      </a:r>
+                    </a:p>
+                  </a:txBody>
+                  <a:tcPr/>
+                </a:tc>
+                <a:tc>
+                  <a:txBody>
+                    <a:bodyPr/>
+                    <a:lstStyle/>
+                    <a:p>
+                      <a:pPr marL="0" marR="0" indent="0" algn="l" defTabSz="342997" rtl="0" eaLnBrk="1" fontAlgn="auto" latinLnBrk="0" hangingPunct="1">
+                        <a:lnSpc>
+                          <a:spcPct val="100000"/>
+                        </a:lnSpc>
+                        <a:spcBef>
+                          <a:spcPts val="0"/>
+                        </a:spcBef>
+                        <a:spcAft>
+                          <a:spcPts val="0"/>
+                        </a:spcAft>
+                        <a:buClrTx/>
+                        <a:buSzTx/>
+                        <a:buFontTx/>
+                        <a:buNone/>
+                        <a:tabLst/>
+                        <a:defRPr/>
+                      </a:pPr>
+                      <a:r>
+                        <a:rPr lang="de-DE" sz="1350" kern="1200" dirty="0" smtClean="0">
+                          <a:solidFill>
+                            <a:schemeClr val="dk1"/>
+                          </a:solidFill>
+                          <a:effectLst/>
+                          <a:latin typeface="+mn-lt"/>
+                          <a:ea typeface="+mn-ea"/>
+                          <a:cs typeface="+mn-cs"/>
+                        </a:rPr>
+                        <a:t>0.0001 - 0.000001</a:t>
+                      </a:r>
+                    </a:p>
+                  </a:txBody>
+                  <a:tcPr/>
+                </a:tc>
+                <a:tc>
+                  <a:txBody>
+                    <a:bodyPr/>
+                    <a:lstStyle/>
+                    <a:p>
+                      <a:r>
+                        <a:rPr lang="en-US" dirty="0" smtClean="0"/>
+                        <a:t>1</a:t>
+                      </a:r>
+                      <a:endParaRPr lang="en-US" dirty="0"/>
+                    </a:p>
+                  </a:txBody>
+                  <a:tcPr/>
+                </a:tc>
+                <a:tc>
+                  <a:txBody>
+                    <a:bodyPr/>
+                    <a:lstStyle/>
+                    <a:p>
+                      <a:endParaRPr lang="en-US" dirty="0"/>
+                    </a:p>
+                  </a:txBody>
+                  <a:tcPr/>
+                </a:tc>
+                <a:tc>
+                  <a:txBody>
+                    <a:bodyPr/>
+                    <a:lstStyle/>
+                    <a:p>
+                      <a:r>
+                        <a:rPr lang="nb-NO" sz="1350" b="0" i="0" kern="1200" dirty="0" smtClean="0">
+                          <a:solidFill>
+                            <a:schemeClr val="dk1"/>
+                          </a:solidFill>
+                          <a:effectLst/>
+                          <a:latin typeface="+mn-lt"/>
+                          <a:ea typeface="+mn-ea"/>
+                          <a:cs typeface="+mn-cs"/>
+                        </a:rPr>
+                        <a:t>0.4329</a:t>
+                      </a:r>
+                      <a:endParaRPr lang="en-US" dirty="0"/>
+                    </a:p>
+                  </a:txBody>
+                  <a:tcPr/>
+                </a:tc>
+                <a:tc>
+                  <a:txBody>
+                    <a:bodyPr/>
+                    <a:lstStyle/>
+                    <a:p>
+                      <a:endParaRPr lang="en-US" dirty="0"/>
+                    </a:p>
+                  </a:txBody>
+                  <a:tcPr/>
+                </a:tc>
+              </a:tr>
+              <a:tr h="348368">
+                <a:tc>
+                  <a:txBody>
+                    <a:bodyPr/>
+                    <a:lstStyle/>
+                    <a:p>
+                      <a:pPr marL="0" marR="0" indent="0" algn="l" defTabSz="342997" rtl="0" eaLnBrk="1" fontAlgn="auto" latinLnBrk="0" hangingPunct="1">
+                        <a:lnSpc>
+                          <a:spcPct val="100000"/>
+                        </a:lnSpc>
+                        <a:spcBef>
+                          <a:spcPts val="0"/>
+                        </a:spcBef>
+                        <a:spcAft>
+                          <a:spcPts val="0"/>
+                        </a:spcAft>
+                        <a:buClrTx/>
+                        <a:buSzTx/>
+                        <a:buFontTx/>
+                        <a:buNone/>
+                        <a:tabLst/>
+                        <a:defRPr/>
+                      </a:pPr>
+                      <a:r>
+                        <a:rPr lang="en-US" dirty="0" smtClean="0"/>
+                        <a:t>Maximize Accuracy</a:t>
+                      </a:r>
+                    </a:p>
+                  </a:txBody>
+                  <a:tcPr/>
+                </a:tc>
+                <a:tc>
+                  <a:txBody>
+                    <a:bodyPr/>
+                    <a:lstStyle/>
+                    <a:p>
+                      <a:pPr marL="0" marR="0" indent="0" algn="l" defTabSz="342997" rtl="0" eaLnBrk="1" fontAlgn="auto" latinLnBrk="0" hangingPunct="1">
+                        <a:lnSpc>
+                          <a:spcPct val="100000"/>
+                        </a:lnSpc>
+                        <a:spcBef>
+                          <a:spcPts val="0"/>
+                        </a:spcBef>
+                        <a:spcAft>
+                          <a:spcPts val="0"/>
+                        </a:spcAft>
+                        <a:buClrTx/>
+                        <a:buSzTx/>
+                        <a:buFontTx/>
+                        <a:buNone/>
+                        <a:tabLst/>
+                        <a:defRPr/>
+                      </a:pPr>
+                      <a:r>
+                        <a:rPr lang="en-US" dirty="0" smtClean="0"/>
+                        <a:t>0.001 </a:t>
+                      </a:r>
+                      <a:r>
+                        <a:rPr lang="mr-IN" dirty="0" smtClean="0"/>
+                        <a:t>–</a:t>
+                      </a:r>
+                      <a:r>
+                        <a:rPr lang="en-US" dirty="0" smtClean="0"/>
+                        <a:t> 0.0001</a:t>
+                      </a:r>
+                    </a:p>
+                  </a:txBody>
+                  <a:tcPr/>
+                </a:tc>
+                <a:tc>
+                  <a:txBody>
+                    <a:bodyPr/>
+                    <a:lstStyle/>
+                    <a:p>
+                      <a:r>
+                        <a:rPr lang="en-US" dirty="0" smtClean="0"/>
+                        <a:t>5</a:t>
+                      </a:r>
+                      <a:endParaRPr lang="en-US" dirty="0"/>
+                    </a:p>
+                  </a:txBody>
+                  <a:tcPr/>
+                </a:tc>
+                <a:tc>
+                  <a:txBody>
+                    <a:bodyPr/>
+                    <a:lstStyle/>
+                    <a:p>
+                      <a:endParaRPr lang="en-US" dirty="0"/>
+                    </a:p>
+                  </a:txBody>
+                  <a:tcPr/>
+                </a:tc>
+                <a:tc>
+                  <a:txBody>
+                    <a:bodyPr/>
+                    <a:lstStyle/>
+                    <a:p>
+                      <a:r>
+                        <a:rPr lang="nb-NO" sz="1350" b="0" i="0" kern="1200" dirty="0" smtClean="0">
+                          <a:solidFill>
+                            <a:schemeClr val="dk1"/>
+                          </a:solidFill>
+                          <a:effectLst/>
+                          <a:latin typeface="+mn-lt"/>
+                          <a:ea typeface="+mn-ea"/>
+                          <a:cs typeface="+mn-cs"/>
+                        </a:rPr>
+                        <a:t>0.7142</a:t>
+                      </a:r>
+                      <a:endParaRPr lang="en-US" dirty="0"/>
+                    </a:p>
+                  </a:txBody>
+                  <a:tcPr/>
+                </a:tc>
+                <a:tc>
+                  <a:txBody>
+                    <a:bodyPr/>
+                    <a:lstStyle/>
+                    <a:p>
+                      <a:endParaRPr lang="en-US" dirty="0"/>
+                    </a:p>
+                  </a:txBody>
+                  <a:tcPr/>
+                </a:tc>
+              </a:tr>
+              <a:tr h="314574">
+                <a:tc>
+                  <a:txBody>
+                    <a:bodyPr/>
+                    <a:lstStyle/>
+                    <a:p>
+                      <a:pPr marL="0" marR="0" indent="0" algn="l" defTabSz="342997" rtl="0" eaLnBrk="1" fontAlgn="auto" latinLnBrk="0" hangingPunct="1">
+                        <a:lnSpc>
+                          <a:spcPct val="100000"/>
+                        </a:lnSpc>
+                        <a:spcBef>
+                          <a:spcPts val="0"/>
+                        </a:spcBef>
+                        <a:spcAft>
+                          <a:spcPts val="0"/>
+                        </a:spcAft>
+                        <a:buClrTx/>
+                        <a:buSzTx/>
+                        <a:buFontTx/>
+                        <a:buNone/>
+                        <a:tabLst/>
+                        <a:defRPr/>
+                      </a:pPr>
+                      <a:r>
+                        <a:rPr lang="en-US" dirty="0" smtClean="0"/>
+                        <a:t>Maximize AUC</a:t>
+                      </a:r>
+                    </a:p>
+                  </a:txBody>
+                  <a:tcPr/>
+                </a:tc>
+                <a:tc>
+                  <a:txBody>
+                    <a:bodyPr/>
+                    <a:lstStyle/>
+                    <a:p>
+                      <a:pPr marL="0" marR="0" indent="0" algn="l" defTabSz="342997" rtl="0" eaLnBrk="1" fontAlgn="auto" latinLnBrk="0" hangingPunct="1">
+                        <a:lnSpc>
+                          <a:spcPct val="100000"/>
+                        </a:lnSpc>
+                        <a:spcBef>
+                          <a:spcPts val="0"/>
+                        </a:spcBef>
+                        <a:spcAft>
+                          <a:spcPts val="0"/>
+                        </a:spcAft>
+                        <a:buClrTx/>
+                        <a:buSzTx/>
+                        <a:buFontTx/>
+                        <a:buNone/>
+                        <a:tabLst/>
+                        <a:defRPr/>
+                      </a:pPr>
+                      <a:r>
+                        <a:rPr lang="de-DE" sz="1350" kern="1200" dirty="0" smtClean="0">
+                          <a:solidFill>
+                            <a:schemeClr val="dk1"/>
+                          </a:solidFill>
+                          <a:effectLst/>
+                          <a:latin typeface="+mn-lt"/>
+                          <a:ea typeface="+mn-ea"/>
+                          <a:cs typeface="+mn-cs"/>
+                        </a:rPr>
+                        <a:t>0.001 - 0.0001</a:t>
+                      </a:r>
+                    </a:p>
+                  </a:txBody>
+                  <a:tcPr/>
+                </a:tc>
+                <a:tc>
+                  <a:txBody>
+                    <a:bodyPr/>
+                    <a:lstStyle/>
+                    <a:p>
+                      <a:r>
+                        <a:rPr lang="en-US" dirty="0" smtClean="0"/>
+                        <a:t>1</a:t>
+                      </a:r>
+                      <a:endParaRPr lang="en-US" dirty="0"/>
+                    </a:p>
+                  </a:txBody>
+                  <a:tcPr/>
+                </a:tc>
+                <a:tc>
+                  <a:txBody>
+                    <a:bodyPr/>
+                    <a:lstStyle/>
+                    <a:p>
+                      <a:endParaRPr lang="en-US" dirty="0"/>
+                    </a:p>
+                  </a:txBody>
+                  <a:tcPr/>
+                </a:tc>
+                <a:tc>
+                  <a:txBody>
+                    <a:bodyPr/>
+                    <a:lstStyle/>
+                    <a:p>
+                      <a:endParaRPr lang="en-US" dirty="0"/>
+                    </a:p>
+                  </a:txBody>
+                  <a:tcPr/>
+                </a:tc>
+                <a:tc>
+                  <a:txBody>
+                    <a:bodyPr/>
+                    <a:lstStyle/>
+                    <a:p>
+                      <a:pPr marL="0" marR="0" indent="0" algn="l" defTabSz="342997" rtl="0" eaLnBrk="1" fontAlgn="auto" latinLnBrk="0" hangingPunct="1">
+                        <a:lnSpc>
+                          <a:spcPct val="100000"/>
+                        </a:lnSpc>
+                        <a:spcBef>
+                          <a:spcPts val="0"/>
+                        </a:spcBef>
+                        <a:spcAft>
+                          <a:spcPts val="0"/>
+                        </a:spcAft>
+                        <a:buClrTx/>
+                        <a:buSzTx/>
+                        <a:buFontTx/>
+                        <a:buNone/>
+                        <a:tabLst/>
+                        <a:defRPr/>
+                      </a:pPr>
+                      <a:r>
+                        <a:rPr lang="nb-NO" sz="1350" b="0" i="0" kern="1200" dirty="0" smtClean="0">
+                          <a:solidFill>
+                            <a:schemeClr val="dk1"/>
+                          </a:solidFill>
+                          <a:effectLst/>
+                          <a:latin typeface="+mn-lt"/>
+                          <a:ea typeface="+mn-ea"/>
+                          <a:cs typeface="+mn-cs"/>
+                        </a:rPr>
+                        <a:t>0.8457</a:t>
+                      </a:r>
+                      <a:endParaRPr lang="en-US" dirty="0" smtClean="0"/>
+                    </a:p>
+                    <a:p>
+                      <a:endParaRPr lang="en-US" dirty="0"/>
+                    </a:p>
+                  </a:txBody>
+                  <a:tcPr/>
+                </a:tc>
+              </a:tr>
+              <a:tr h="472444">
+                <a:tc>
+                  <a:txBody>
+                    <a:bodyPr/>
+                    <a:lstStyle/>
+                    <a:p>
+                      <a:pPr marL="0" marR="0" indent="0" algn="l" defTabSz="342997" rtl="0" eaLnBrk="1" fontAlgn="auto" latinLnBrk="0" hangingPunct="1">
+                        <a:lnSpc>
+                          <a:spcPct val="100000"/>
+                        </a:lnSpc>
+                        <a:spcBef>
+                          <a:spcPts val="0"/>
+                        </a:spcBef>
+                        <a:spcAft>
+                          <a:spcPts val="0"/>
+                        </a:spcAft>
+                        <a:buClrTx/>
+                        <a:buSzTx/>
+                        <a:buFontTx/>
+                        <a:buNone/>
+                        <a:tabLst/>
+                        <a:defRPr/>
+                      </a:pPr>
+                      <a:r>
+                        <a:rPr lang="en-US" dirty="0" err="1" smtClean="0"/>
+                        <a:t>Maximuze</a:t>
+                      </a:r>
+                      <a:r>
+                        <a:rPr lang="en-US" dirty="0" smtClean="0"/>
+                        <a:t> AUC</a:t>
+                      </a:r>
+                    </a:p>
+                    <a:p>
+                      <a:pPr marL="0" marR="0" indent="0" algn="l" defTabSz="342997" rtl="0" eaLnBrk="1" fontAlgn="auto" latinLnBrk="0" hangingPunct="1">
+                        <a:lnSpc>
+                          <a:spcPct val="100000"/>
+                        </a:lnSpc>
+                        <a:spcBef>
+                          <a:spcPts val="0"/>
+                        </a:spcBef>
+                        <a:spcAft>
+                          <a:spcPts val="0"/>
+                        </a:spcAft>
+                        <a:buClrTx/>
+                        <a:buSzTx/>
+                        <a:buFontTx/>
+                        <a:buNone/>
+                        <a:tabLst/>
+                        <a:defRPr/>
+                      </a:pPr>
+                      <a:endParaRPr lang="en-US" dirty="0" smtClean="0"/>
+                    </a:p>
+                  </a:txBody>
+                  <a:tcPr/>
+                </a:tc>
+                <a:tc>
+                  <a:txBody>
+                    <a:bodyPr/>
+                    <a:lstStyle/>
+                    <a:p>
+                      <a:pPr marL="0" marR="0" indent="0" algn="l" defTabSz="342997" rtl="0" eaLnBrk="1" fontAlgn="auto" latinLnBrk="0" hangingPunct="1">
+                        <a:lnSpc>
+                          <a:spcPct val="100000"/>
+                        </a:lnSpc>
+                        <a:spcBef>
+                          <a:spcPts val="0"/>
+                        </a:spcBef>
+                        <a:spcAft>
+                          <a:spcPts val="0"/>
+                        </a:spcAft>
+                        <a:buClrTx/>
+                        <a:buSzTx/>
+                        <a:buFontTx/>
+                        <a:buNone/>
+                        <a:tabLst/>
+                        <a:defRPr/>
+                      </a:pPr>
+                      <a:r>
+                        <a:rPr lang="de-DE" sz="1350" kern="1200" dirty="0" smtClean="0">
+                          <a:solidFill>
+                            <a:schemeClr val="dk1"/>
+                          </a:solidFill>
+                          <a:effectLst/>
+                          <a:latin typeface="+mn-lt"/>
+                          <a:ea typeface="+mn-ea"/>
+                          <a:cs typeface="+mn-cs"/>
+                        </a:rPr>
+                        <a:t>0.001 - 0.0001</a:t>
+                      </a:r>
+                    </a:p>
+                    <a:p>
+                      <a:pPr marL="0" marR="0" indent="0" algn="l" defTabSz="342997" rtl="0" eaLnBrk="1" fontAlgn="auto" latinLnBrk="0" hangingPunct="1">
+                        <a:lnSpc>
+                          <a:spcPct val="100000"/>
+                        </a:lnSpc>
+                        <a:spcBef>
+                          <a:spcPts val="0"/>
+                        </a:spcBef>
+                        <a:spcAft>
+                          <a:spcPts val="0"/>
+                        </a:spcAft>
+                        <a:buClrTx/>
+                        <a:buSzTx/>
+                        <a:buFontTx/>
+                        <a:buNone/>
+                        <a:tabLst/>
+                        <a:defRPr/>
+                      </a:pPr>
+                      <a:endParaRPr lang="de-DE" sz="1350" kern="1200" dirty="0" smtClean="0">
+                        <a:solidFill>
+                          <a:schemeClr val="dk1"/>
+                        </a:solidFill>
+                        <a:effectLst/>
+                        <a:latin typeface="+mn-lt"/>
+                        <a:ea typeface="+mn-ea"/>
+                        <a:cs typeface="+mn-cs"/>
+                      </a:endParaRPr>
+                    </a:p>
+                  </a:txBody>
+                  <a:tcPr/>
+                </a:tc>
+                <a:tc>
+                  <a:txBody>
+                    <a:bodyPr/>
+                    <a:lstStyle/>
+                    <a:p>
+                      <a:r>
+                        <a:rPr lang="en-US" dirty="0" smtClean="0"/>
+                        <a:t>5</a:t>
+                      </a:r>
+                      <a:endParaRPr lang="en-US" dirty="0"/>
+                    </a:p>
+                  </a:txBody>
+                  <a:tcPr/>
+                </a:tc>
+                <a:tc>
+                  <a:txBody>
+                    <a:bodyPr/>
+                    <a:lstStyle/>
+                    <a:p>
+                      <a:endParaRPr lang="en-US" dirty="0"/>
+                    </a:p>
+                  </a:txBody>
+                  <a:tcPr/>
+                </a:tc>
+                <a:tc>
+                  <a:txBody>
+                    <a:bodyPr/>
+                    <a:lstStyle/>
+                    <a:p>
+                      <a:endParaRPr lang="en-US" dirty="0"/>
+                    </a:p>
+                  </a:txBody>
+                  <a:tcPr/>
+                </a:tc>
+                <a:tc>
+                  <a:txBody>
+                    <a:bodyPr/>
+                    <a:lstStyle/>
+                    <a:p>
+                      <a:pPr marL="0" marR="0" indent="0" algn="l" defTabSz="342997" rtl="0" eaLnBrk="1" fontAlgn="auto" latinLnBrk="0" hangingPunct="1">
+                        <a:lnSpc>
+                          <a:spcPct val="100000"/>
+                        </a:lnSpc>
+                        <a:spcBef>
+                          <a:spcPts val="0"/>
+                        </a:spcBef>
+                        <a:spcAft>
+                          <a:spcPts val="0"/>
+                        </a:spcAft>
+                        <a:buClrTx/>
+                        <a:buSzTx/>
+                        <a:buFontTx/>
+                        <a:buNone/>
+                        <a:tabLst/>
+                        <a:defRPr/>
+                      </a:pPr>
+                      <a:r>
+                        <a:rPr lang="it-IT" sz="1350" b="0" i="0" kern="1200" dirty="0" smtClean="0">
+                          <a:solidFill>
+                            <a:schemeClr val="dk1"/>
+                          </a:solidFill>
+                          <a:effectLst/>
+                          <a:latin typeface="+mn-lt"/>
+                          <a:ea typeface="+mn-ea"/>
+                          <a:cs typeface="+mn-cs"/>
+                        </a:rPr>
+                        <a:t>0.9415</a:t>
+                      </a:r>
+                      <a:endParaRPr lang="en-US" dirty="0" smtClean="0"/>
+                    </a:p>
+                    <a:p>
+                      <a:endParaRPr lang="en-US" dirty="0"/>
+                    </a:p>
+                  </a:txBody>
+                  <a:tcPr/>
+                </a:tc>
+              </a:tr>
+            </a:tbl>
+          </a:graphicData>
+        </a:graphic>
+      </p:graphicFrame>
+    </p:spTree>
+    <p:extLst>
+      <p:ext uri="{BB962C8B-B14F-4D97-AF65-F5344CB8AC3E}">
+        <p14:creationId xmlns:p14="http://schemas.microsoft.com/office/powerpoint/2010/main" val="950383856"/>
       </p:ext>
     </p:extLst>
   </p:cSld>
